--- a/有福的確據.pptx
+++ b/有福的確據.pptx
@@ -12,7 +12,7 @@
     <p:sldId id="260" r:id="rId6"/>
     <p:sldId id="261" r:id="rId7"/>
   </p:sldIdLst>
-  <p:sldSz cx="9144000" cy="6858000" type="screen4x3"/>
+  <p:sldSz cx="12192000" cy="6858000"/>
   <p:notesSz cx="6858000" cy="9144000"/>
   <p:defaultTextStyle>
     <a:defPPr>
@@ -109,6 +109,22 @@
       </a:defRPr>
     </a:lvl9pPr>
   </p:defaultTextStyle>
+  <p:extLst>
+    <p:ext uri="{EFAFB233-063F-42B5-8137-9DF3F51BA10A}">
+      <p15:sldGuideLst xmlns:p15="http://schemas.microsoft.com/office/powerpoint/2012/main">
+        <p15:guide id="1" orient="horz" pos="2160" userDrawn="1">
+          <p15:clr>
+            <a:srgbClr val="A4A3A4"/>
+          </p15:clr>
+        </p15:guide>
+        <p15:guide id="2" pos="3840" userDrawn="1">
+          <p15:clr>
+            <a:srgbClr val="A4A3A4"/>
+          </p15:clr>
+        </p15:guide>
+      </p15:sldGuideLst>
+    </p:ext>
+  </p:extLst>
 </p:presentation>
 </file>
 
@@ -141,8 +157,8 @@
         </p:nvSpPr>
         <p:spPr>
           <a:xfrm>
-            <a:off x="685800" y="2130425"/>
-            <a:ext cx="7772400" cy="1470025"/>
+            <a:off x="914400" y="2130426"/>
+            <a:ext cx="10363200" cy="1470025"/>
           </a:xfrm>
         </p:spPr>
         <p:txBody>
@@ -169,8 +185,8 @@
         </p:nvSpPr>
         <p:spPr>
           <a:xfrm>
-            <a:off x="1371600" y="3886200"/>
-            <a:ext cx="6400800" cy="1752600"/>
+            <a:off x="1828800" y="3886200"/>
+            <a:ext cx="8534400" cy="1752600"/>
           </a:xfrm>
         </p:spPr>
         <p:txBody>
@@ -243,7 +259,7 @@
           <a:p>
             <a:fld id="{0FAE10D4-71CF-4D34-82D9-09C2E9014CD6}" type="datetimeFigureOut">
               <a:rPr lang="zh-TW" altLang="en-US" smtClean="0"/>
-              <a:t>2015/6/7</a:t>
+              <a:t>2020/2/8</a:t>
             </a:fld>
             <a:endParaRPr lang="zh-TW" altLang="en-US"/>
           </a:p>
@@ -420,7 +436,7 @@
           <a:p>
             <a:fld id="{0FAE10D4-71CF-4D34-82D9-09C2E9014CD6}" type="datetimeFigureOut">
               <a:rPr lang="zh-TW" altLang="en-US" smtClean="0"/>
-              <a:t>2015/6/7</a:t>
+              <a:t>2020/2/8</a:t>
             </a:fld>
             <a:endParaRPr lang="zh-TW" altLang="en-US"/>
           </a:p>
@@ -513,8 +529,8 @@
         </p:nvSpPr>
         <p:spPr>
           <a:xfrm>
-            <a:off x="6629400" y="274638"/>
-            <a:ext cx="2057400" cy="5851525"/>
+            <a:off x="8839200" y="274639"/>
+            <a:ext cx="2743200" cy="5851525"/>
           </a:xfrm>
         </p:spPr>
         <p:txBody>
@@ -541,8 +557,8 @@
         </p:nvSpPr>
         <p:spPr>
           <a:xfrm>
-            <a:off x="457200" y="274638"/>
-            <a:ext cx="6019800" cy="5851525"/>
+            <a:off x="609600" y="274639"/>
+            <a:ext cx="8026400" cy="5851525"/>
           </a:xfrm>
         </p:spPr>
         <p:txBody>
@@ -607,7 +623,7 @@
           <a:p>
             <a:fld id="{0FAE10D4-71CF-4D34-82D9-09C2E9014CD6}" type="datetimeFigureOut">
               <a:rPr lang="zh-TW" altLang="en-US" smtClean="0"/>
-              <a:t>2015/6/7</a:t>
+              <a:t>2020/2/8</a:t>
             </a:fld>
             <a:endParaRPr lang="zh-TW" altLang="en-US"/>
           </a:p>
@@ -784,7 +800,7 @@
           <a:p>
             <a:fld id="{0FAE10D4-71CF-4D34-82D9-09C2E9014CD6}" type="datetimeFigureOut">
               <a:rPr lang="zh-TW" altLang="en-US" smtClean="0"/>
-              <a:t>2015/6/7</a:t>
+              <a:t>2020/2/8</a:t>
             </a:fld>
             <a:endParaRPr lang="zh-TW" altLang="en-US"/>
           </a:p>
@@ -877,8 +893,8 @@
         </p:nvSpPr>
         <p:spPr>
           <a:xfrm>
-            <a:off x="722313" y="4406900"/>
-            <a:ext cx="7772400" cy="1362075"/>
+            <a:off x="963084" y="4406901"/>
+            <a:ext cx="10363200" cy="1362075"/>
           </a:xfrm>
         </p:spPr>
         <p:txBody>
@@ -909,8 +925,8 @@
         </p:nvSpPr>
         <p:spPr>
           <a:xfrm>
-            <a:off x="722313" y="2906713"/>
-            <a:ext cx="7772400" cy="1500187"/>
+            <a:off x="963084" y="2906713"/>
+            <a:ext cx="10363200" cy="1500187"/>
           </a:xfrm>
         </p:spPr>
         <p:txBody>
@@ -983,7 +999,7 @@
           <a:p>
             <a:fld id="{0FAE10D4-71CF-4D34-82D9-09C2E9014CD6}" type="datetimeFigureOut">
               <a:rPr lang="zh-TW" altLang="en-US" smtClean="0"/>
-              <a:t>2015/6/7</a:t>
+              <a:t>2020/2/8</a:t>
             </a:fld>
             <a:endParaRPr lang="zh-TW" altLang="en-US"/>
           </a:p>
@@ -1099,8 +1115,8 @@
         </p:nvSpPr>
         <p:spPr>
           <a:xfrm>
-            <a:off x="457200" y="1600200"/>
-            <a:ext cx="4038600" cy="4525963"/>
+            <a:off x="609600" y="1600201"/>
+            <a:ext cx="5384800" cy="4525963"/>
           </a:xfrm>
         </p:spPr>
         <p:txBody>
@@ -1184,8 +1200,8 @@
         </p:nvSpPr>
         <p:spPr>
           <a:xfrm>
-            <a:off x="4648200" y="1600200"/>
-            <a:ext cx="4038600" cy="4525963"/>
+            <a:off x="6197600" y="1600201"/>
+            <a:ext cx="5384800" cy="4525963"/>
           </a:xfrm>
         </p:spPr>
         <p:txBody>
@@ -1278,7 +1294,7 @@
           <a:p>
             <a:fld id="{0FAE10D4-71CF-4D34-82D9-09C2E9014CD6}" type="datetimeFigureOut">
               <a:rPr lang="zh-TW" altLang="en-US" smtClean="0"/>
-              <a:t>2015/6/7</a:t>
+              <a:t>2020/2/8</a:t>
             </a:fld>
             <a:endParaRPr lang="zh-TW" altLang="en-US"/>
           </a:p>
@@ -1398,8 +1414,8 @@
         </p:nvSpPr>
         <p:spPr>
           <a:xfrm>
-            <a:off x="457200" y="1535113"/>
-            <a:ext cx="4040188" cy="639762"/>
+            <a:off x="609600" y="1535113"/>
+            <a:ext cx="5386917" cy="639762"/>
           </a:xfrm>
         </p:spPr>
         <p:txBody>
@@ -1463,8 +1479,8 @@
         </p:nvSpPr>
         <p:spPr>
           <a:xfrm>
-            <a:off x="457200" y="2174875"/>
-            <a:ext cx="4040188" cy="3951288"/>
+            <a:off x="609600" y="2174875"/>
+            <a:ext cx="5386917" cy="3951288"/>
           </a:xfrm>
         </p:spPr>
         <p:txBody>
@@ -1548,8 +1564,8 @@
         </p:nvSpPr>
         <p:spPr>
           <a:xfrm>
-            <a:off x="4645025" y="1535113"/>
-            <a:ext cx="4041775" cy="639762"/>
+            <a:off x="6193368" y="1535113"/>
+            <a:ext cx="5389033" cy="639762"/>
           </a:xfrm>
         </p:spPr>
         <p:txBody>
@@ -1613,8 +1629,8 @@
         </p:nvSpPr>
         <p:spPr>
           <a:xfrm>
-            <a:off x="4645025" y="2174875"/>
-            <a:ext cx="4041775" cy="3951288"/>
+            <a:off x="6193368" y="2174875"/>
+            <a:ext cx="5389033" cy="3951288"/>
           </a:xfrm>
         </p:spPr>
         <p:txBody>
@@ -1707,7 +1723,7 @@
           <a:p>
             <a:fld id="{0FAE10D4-71CF-4D34-82D9-09C2E9014CD6}" type="datetimeFigureOut">
               <a:rPr lang="zh-TW" altLang="en-US" smtClean="0"/>
-              <a:t>2015/6/7</a:t>
+              <a:t>2020/2/8</a:t>
             </a:fld>
             <a:endParaRPr lang="zh-TW" altLang="en-US"/>
           </a:p>
@@ -1832,7 +1848,7 @@
           <a:p>
             <a:fld id="{0FAE10D4-71CF-4D34-82D9-09C2E9014CD6}" type="datetimeFigureOut">
               <a:rPr lang="zh-TW" altLang="en-US" smtClean="0"/>
-              <a:t>2015/6/7</a:t>
+              <a:t>2020/2/8</a:t>
             </a:fld>
             <a:endParaRPr lang="zh-TW" altLang="en-US"/>
           </a:p>
@@ -1934,7 +1950,7 @@
           <a:p>
             <a:fld id="{0FAE10D4-71CF-4D34-82D9-09C2E9014CD6}" type="datetimeFigureOut">
               <a:rPr lang="zh-TW" altLang="en-US" smtClean="0"/>
-              <a:t>2015/6/7</a:t>
+              <a:t>2020/2/8</a:t>
             </a:fld>
             <a:endParaRPr lang="zh-TW" altLang="en-US"/>
           </a:p>
@@ -2027,8 +2043,8 @@
         </p:nvSpPr>
         <p:spPr>
           <a:xfrm>
-            <a:off x="457200" y="273050"/>
-            <a:ext cx="3008313" cy="1162050"/>
+            <a:off x="609601" y="273050"/>
+            <a:ext cx="4011084" cy="1162050"/>
           </a:xfrm>
         </p:spPr>
         <p:txBody>
@@ -2059,8 +2075,8 @@
         </p:nvSpPr>
         <p:spPr>
           <a:xfrm>
-            <a:off x="3575050" y="273050"/>
-            <a:ext cx="5111750" cy="5853113"/>
+            <a:off x="4766733" y="273051"/>
+            <a:ext cx="6815667" cy="5853113"/>
           </a:xfrm>
         </p:spPr>
         <p:txBody>
@@ -2144,8 +2160,8 @@
         </p:nvSpPr>
         <p:spPr>
           <a:xfrm>
-            <a:off x="457200" y="1435100"/>
-            <a:ext cx="3008313" cy="4691063"/>
+            <a:off x="609601" y="1435101"/>
+            <a:ext cx="4011084" cy="4691063"/>
           </a:xfrm>
         </p:spPr>
         <p:txBody>
@@ -2218,7 +2234,7 @@
           <a:p>
             <a:fld id="{0FAE10D4-71CF-4D34-82D9-09C2E9014CD6}" type="datetimeFigureOut">
               <a:rPr lang="zh-TW" altLang="en-US" smtClean="0"/>
-              <a:t>2015/6/7</a:t>
+              <a:t>2020/2/8</a:t>
             </a:fld>
             <a:endParaRPr lang="zh-TW" altLang="en-US"/>
           </a:p>
@@ -2311,8 +2327,8 @@
         </p:nvSpPr>
         <p:spPr>
           <a:xfrm>
-            <a:off x="1792288" y="4800600"/>
-            <a:ext cx="5486400" cy="566738"/>
+            <a:off x="2389717" y="4800600"/>
+            <a:ext cx="7315200" cy="566738"/>
           </a:xfrm>
         </p:spPr>
         <p:txBody>
@@ -2343,8 +2359,8 @@
         </p:nvSpPr>
         <p:spPr>
           <a:xfrm>
-            <a:off x="1792288" y="612775"/>
-            <a:ext cx="5486400" cy="4114800"/>
+            <a:off x="2389717" y="612775"/>
+            <a:ext cx="7315200" cy="4114800"/>
           </a:xfrm>
         </p:spPr>
         <p:txBody>
@@ -2408,8 +2424,8 @@
         </p:nvSpPr>
         <p:spPr>
           <a:xfrm>
-            <a:off x="1792288" y="5367338"/>
-            <a:ext cx="5486400" cy="804862"/>
+            <a:off x="2389717" y="5367338"/>
+            <a:ext cx="7315200" cy="804862"/>
           </a:xfrm>
         </p:spPr>
         <p:txBody>
@@ -2482,7 +2498,7 @@
           <a:p>
             <a:fld id="{0FAE10D4-71CF-4D34-82D9-09C2E9014CD6}" type="datetimeFigureOut">
               <a:rPr lang="zh-TW" altLang="en-US" smtClean="0"/>
-              <a:t>2015/6/7</a:t>
+              <a:t>2020/2/8</a:t>
             </a:fld>
             <a:endParaRPr lang="zh-TW" altLang="en-US"/>
           </a:p>
@@ -2587,8 +2603,8 @@
         </p:nvSpPr>
         <p:spPr bwMode="auto">
           <a:xfrm>
-            <a:off x="457200" y="274638"/>
-            <a:ext cx="8229600" cy="1143000"/>
+            <a:off x="609600" y="274638"/>
+            <a:ext cx="10972800" cy="1143000"/>
           </a:xfrm>
           <a:prstGeom prst="rect">
             <a:avLst/>
@@ -2630,8 +2646,8 @@
         </p:nvSpPr>
         <p:spPr bwMode="auto">
           <a:xfrm>
-            <a:off x="457200" y="1600200"/>
-            <a:ext cx="8229600" cy="4525963"/>
+            <a:off x="609600" y="1600201"/>
+            <a:ext cx="10972800" cy="4525963"/>
           </a:xfrm>
           <a:prstGeom prst="rect">
             <a:avLst/>
@@ -2701,8 +2717,8 @@
         </p:nvSpPr>
         <p:spPr bwMode="auto">
           <a:xfrm>
-            <a:off x="457200" y="6245225"/>
-            <a:ext cx="2133600" cy="476250"/>
+            <a:off x="609600" y="6245225"/>
+            <a:ext cx="2844800" cy="476250"/>
           </a:xfrm>
           <a:prstGeom prst="rect">
             <a:avLst/>
@@ -2732,7 +2748,7 @@
           <a:p>
             <a:fld id="{0FAE10D4-71CF-4D34-82D9-09C2E9014CD6}" type="datetimeFigureOut">
               <a:rPr lang="zh-TW" altLang="en-US" smtClean="0"/>
-              <a:t>2015/6/7</a:t>
+              <a:t>2020/2/8</a:t>
             </a:fld>
             <a:endParaRPr lang="zh-TW" altLang="en-US"/>
           </a:p>
@@ -2750,8 +2766,8 @@
         </p:nvSpPr>
         <p:spPr bwMode="auto">
           <a:xfrm>
-            <a:off x="3124200" y="6245225"/>
-            <a:ext cx="2895600" cy="476250"/>
+            <a:off x="4165600" y="6245225"/>
+            <a:ext cx="3860800" cy="476250"/>
           </a:xfrm>
           <a:prstGeom prst="rect">
             <a:avLst/>
@@ -2795,8 +2811,8 @@
         </p:nvSpPr>
         <p:spPr bwMode="auto">
           <a:xfrm>
-            <a:off x="6553200" y="6245225"/>
-            <a:ext cx="2133600" cy="476250"/>
+            <a:off x="8737600" y="6245225"/>
+            <a:ext cx="2844800" cy="476250"/>
           </a:xfrm>
           <a:prstGeom prst="rect">
             <a:avLst/>
@@ -3307,17 +3323,17 @@
               <a:t>何等的榮耀 向我</a:t>
             </a:r>
             <a:r>
-              <a:rPr lang="zh-TW" altLang="en-US" sz="5400" dirty="0" smtClean="0"/>
+              <a:rPr lang="zh-TW" altLang="en-US" sz="5400" dirty="0"/>
               <a:t>顯明</a:t>
             </a:r>
-            <a:endParaRPr lang="en-US" altLang="zh-TW" sz="5400" dirty="0" smtClean="0"/>
+            <a:endParaRPr lang="en-US" altLang="zh-TW" sz="5400" dirty="0"/>
           </a:p>
           <a:p>
             <a:pPr algn="ctr">
               <a:buNone/>
             </a:pPr>
             <a:r>
-              <a:rPr lang="zh-TW" altLang="en-US" sz="5400" dirty="0" smtClean="0"/>
+              <a:rPr lang="zh-TW" altLang="en-US" sz="5400" dirty="0"/>
               <a:t>被</a:t>
             </a:r>
             <a:r>
@@ -3418,17 +3434,17 @@
               <a:t>讚美我救主心裡快</a:t>
             </a:r>
             <a:r>
-              <a:rPr lang="zh-TW" altLang="en-US" sz="5400" dirty="0" smtClean="0"/>
+              <a:rPr lang="zh-TW" altLang="en-US" sz="5400" dirty="0"/>
               <a:t>暢</a:t>
             </a:r>
-            <a:endParaRPr lang="en-US" altLang="zh-TW" sz="5400" dirty="0" smtClean="0"/>
+            <a:endParaRPr lang="en-US" altLang="zh-TW" sz="5400" dirty="0"/>
           </a:p>
           <a:p>
             <a:pPr algn="ctr">
               <a:buNone/>
             </a:pPr>
             <a:r>
-              <a:rPr lang="zh-TW" altLang="en-US" sz="5400" dirty="0" smtClean="0"/>
+              <a:rPr lang="zh-TW" altLang="en-US" sz="5400" dirty="0"/>
               <a:t>常</a:t>
             </a:r>
             <a:r>
@@ -3529,17 +3545,17 @@
               <a:t>天堂的榮耀 顯在</a:t>
             </a:r>
             <a:r>
-              <a:rPr lang="zh-TW" altLang="en-US" sz="5400" dirty="0" smtClean="0"/>
+              <a:rPr lang="zh-TW" altLang="en-US" sz="5400" dirty="0"/>
               <a:t>心裡</a:t>
             </a:r>
-            <a:endParaRPr lang="en-US" altLang="zh-TW" sz="5400" dirty="0" smtClean="0"/>
+            <a:endParaRPr lang="en-US" altLang="zh-TW" sz="5400" dirty="0"/>
           </a:p>
           <a:p>
             <a:pPr algn="ctr">
               <a:buNone/>
             </a:pPr>
             <a:r>
-              <a:rPr lang="zh-TW" altLang="en-US" sz="5400" dirty="0" smtClean="0"/>
+              <a:rPr lang="zh-TW" altLang="en-US" sz="5400" dirty="0"/>
               <a:t>彷彿</a:t>
             </a:r>
             <a:r>
@@ -3640,17 +3656,17 @@
               <a:t>讚美我救主心裡快</a:t>
             </a:r>
             <a:r>
-              <a:rPr lang="zh-TW" altLang="en-US" sz="5400" dirty="0" smtClean="0"/>
+              <a:rPr lang="zh-TW" altLang="en-US" sz="5400" dirty="0"/>
               <a:t>暢</a:t>
             </a:r>
-            <a:endParaRPr lang="en-US" altLang="zh-TW" sz="5400" dirty="0" smtClean="0"/>
+            <a:endParaRPr lang="en-US" altLang="zh-TW" sz="5400" dirty="0"/>
           </a:p>
           <a:p>
             <a:pPr algn="ctr">
               <a:buNone/>
             </a:pPr>
             <a:r>
-              <a:rPr lang="zh-TW" altLang="en-US" sz="5400" dirty="0" smtClean="0"/>
+              <a:rPr lang="zh-TW" altLang="en-US" sz="5400" dirty="0"/>
               <a:t>常</a:t>
             </a:r>
             <a:r>
@@ -3751,17 +3767,17 @@
               <a:t>榮耀的聖靈 充滿我</a:t>
             </a:r>
             <a:r>
-              <a:rPr lang="zh-TW" altLang="en-US" sz="5400" dirty="0" smtClean="0"/>
+              <a:rPr lang="zh-TW" altLang="en-US" sz="5400" dirty="0"/>
               <a:t>心</a:t>
             </a:r>
-            <a:endParaRPr lang="en-US" altLang="zh-TW" sz="5400" dirty="0" smtClean="0"/>
+            <a:endParaRPr lang="en-US" altLang="zh-TW" sz="5400" dirty="0"/>
           </a:p>
           <a:p>
             <a:pPr algn="ctr">
               <a:buNone/>
             </a:pPr>
             <a:r>
-              <a:rPr lang="zh-TW" altLang="en-US" sz="5400" dirty="0" smtClean="0"/>
+              <a:rPr lang="zh-TW" altLang="en-US" sz="5400" dirty="0"/>
               <a:t>時刻</a:t>
             </a:r>
             <a:r>
@@ -3862,17 +3878,17 @@
               <a:t>讚美我救主心裡快</a:t>
             </a:r>
             <a:r>
-              <a:rPr lang="zh-TW" altLang="en-US" sz="5400" dirty="0" smtClean="0"/>
+              <a:rPr lang="zh-TW" altLang="en-US" sz="5400" dirty="0"/>
               <a:t>暢</a:t>
             </a:r>
-            <a:endParaRPr lang="en-US" altLang="zh-TW" sz="5400" dirty="0" smtClean="0"/>
+            <a:endParaRPr lang="en-US" altLang="zh-TW" sz="5400" dirty="0"/>
           </a:p>
           <a:p>
             <a:pPr algn="ctr">
               <a:buNone/>
             </a:pPr>
             <a:r>
-              <a:rPr lang="zh-TW" altLang="en-US" sz="5400" dirty="0" smtClean="0"/>
+              <a:rPr lang="zh-TW" altLang="en-US" sz="5400" dirty="0"/>
               <a:t>常</a:t>
             </a:r>
             <a:r>
